--- a/www/banner_editor.pptx
+++ b/www/banner_editor.pptx
@@ -104,6 +104,11 @@
       </a:defRPr>
     </a:lvl9pPr>
   </p:defaultTextStyle>
+  <p:extLst>
+    <p:ext uri="{EFAFB233-063F-42B5-8137-9DF3F51BA10A}">
+      <p15:sldGuideLst xmlns:p15="http://schemas.microsoft.com/office/powerpoint/2012/main"/>
+    </p:ext>
+  </p:extLst>
 </p:presentation>
 </file>
 
@@ -3336,9 +3341,9 @@
         <p:grpSpPr>
           <a:xfrm>
             <a:off x="707666" y="1688984"/>
-            <a:ext cx="9954516" cy="1419977"/>
+            <a:ext cx="9525144" cy="1419977"/>
             <a:chOff x="707666" y="1688984"/>
-            <a:chExt cx="9954516" cy="1419977"/>
+            <a:chExt cx="9525144" cy="1419977"/>
           </a:xfrm>
         </p:grpSpPr>
         <p:pic>
@@ -3392,7 +3397,7 @@
           <p:spPr>
             <a:xfrm>
               <a:off x="795130" y="1828801"/>
-              <a:ext cx="2934031" cy="1139558"/>
+              <a:ext cx="5025225" cy="1138773"/>
             </a:xfrm>
             <a:prstGeom prst="rect">
               <a:avLst/>
@@ -3413,7 +3418,7 @@
                   <a:latin typeface="Abadi" panose="020B0604020202020204" pitchFamily="34" charset="0"/>
                   <a:cs typeface="Segoe UI" panose="020B0502040204020203" pitchFamily="34" charset="0"/>
                 </a:rPr>
-                <a:t>DATATOPIA</a:t>
+                <a:t>MUSIC+DATA v.1.0</a:t>
               </a:r>
             </a:p>
             <a:p>
@@ -3428,7 +3433,7 @@
                   <a:latin typeface="Segoe UI" panose="020B0502040204020203" pitchFamily="34" charset="0"/>
                   <a:cs typeface="Segoe UI" panose="020B0502040204020203" pitchFamily="34" charset="0"/>
                 </a:rPr>
-                <a:t>2019 MUSIC AND</a:t>
+                <a:t>A MUSIC AND DATA SCIENCE</a:t>
               </a:r>
             </a:p>
             <a:p>
@@ -3459,8 +3464,8 @@
           </p:nvSpPr>
           <p:spPr>
             <a:xfrm>
-              <a:off x="7354958" y="1828801"/>
-              <a:ext cx="3307224" cy="892552"/>
+              <a:off x="7219786" y="1828801"/>
+              <a:ext cx="2934031" cy="892552"/>
             </a:xfrm>
             <a:prstGeom prst="rect">
               <a:avLst/>

--- a/www/banner_editor.pptx
+++ b/www/banner_editor.pptx
@@ -259,7 +259,7 @@
           <a:p>
             <a:fld id="{8E8867F9-EAF3-4945-BEB8-07309A50E41E}" type="datetimeFigureOut">
               <a:rPr lang="en-US" smtClean="0"/>
-              <a:t>4/9/2019</a:t>
+              <a:t>4/14/2019</a:t>
             </a:fld>
             <a:endParaRPr lang="en-US"/>
           </a:p>
@@ -457,7 +457,7 @@
           <a:p>
             <a:fld id="{8E8867F9-EAF3-4945-BEB8-07309A50E41E}" type="datetimeFigureOut">
               <a:rPr lang="en-US" smtClean="0"/>
-              <a:t>4/9/2019</a:t>
+              <a:t>4/14/2019</a:t>
             </a:fld>
             <a:endParaRPr lang="en-US"/>
           </a:p>
@@ -665,7 +665,7 @@
           <a:p>
             <a:fld id="{8E8867F9-EAF3-4945-BEB8-07309A50E41E}" type="datetimeFigureOut">
               <a:rPr lang="en-US" smtClean="0"/>
-              <a:t>4/9/2019</a:t>
+              <a:t>4/14/2019</a:t>
             </a:fld>
             <a:endParaRPr lang="en-US"/>
           </a:p>
@@ -863,7 +863,7 @@
           <a:p>
             <a:fld id="{8E8867F9-EAF3-4945-BEB8-07309A50E41E}" type="datetimeFigureOut">
               <a:rPr lang="en-US" smtClean="0"/>
-              <a:t>4/9/2019</a:t>
+              <a:t>4/14/2019</a:t>
             </a:fld>
             <a:endParaRPr lang="en-US"/>
           </a:p>
@@ -1138,7 +1138,7 @@
           <a:p>
             <a:fld id="{8E8867F9-EAF3-4945-BEB8-07309A50E41E}" type="datetimeFigureOut">
               <a:rPr lang="en-US" smtClean="0"/>
-              <a:t>4/9/2019</a:t>
+              <a:t>4/14/2019</a:t>
             </a:fld>
             <a:endParaRPr lang="en-US"/>
           </a:p>
@@ -1403,7 +1403,7 @@
           <a:p>
             <a:fld id="{8E8867F9-EAF3-4945-BEB8-07309A50E41E}" type="datetimeFigureOut">
               <a:rPr lang="en-US" smtClean="0"/>
-              <a:t>4/9/2019</a:t>
+              <a:t>4/14/2019</a:t>
             </a:fld>
             <a:endParaRPr lang="en-US"/>
           </a:p>
@@ -1815,7 +1815,7 @@
           <a:p>
             <a:fld id="{8E8867F9-EAF3-4945-BEB8-07309A50E41E}" type="datetimeFigureOut">
               <a:rPr lang="en-US" smtClean="0"/>
-              <a:t>4/9/2019</a:t>
+              <a:t>4/14/2019</a:t>
             </a:fld>
             <a:endParaRPr lang="en-US"/>
           </a:p>
@@ -1956,7 +1956,7 @@
           <a:p>
             <a:fld id="{8E8867F9-EAF3-4945-BEB8-07309A50E41E}" type="datetimeFigureOut">
               <a:rPr lang="en-US" smtClean="0"/>
-              <a:t>4/9/2019</a:t>
+              <a:t>4/14/2019</a:t>
             </a:fld>
             <a:endParaRPr lang="en-US"/>
           </a:p>
@@ -2069,7 +2069,7 @@
           <a:p>
             <a:fld id="{8E8867F9-EAF3-4945-BEB8-07309A50E41E}" type="datetimeFigureOut">
               <a:rPr lang="en-US" smtClean="0"/>
-              <a:t>4/9/2019</a:t>
+              <a:t>4/14/2019</a:t>
             </a:fld>
             <a:endParaRPr lang="en-US"/>
           </a:p>
@@ -2380,7 +2380,7 @@
           <a:p>
             <a:fld id="{8E8867F9-EAF3-4945-BEB8-07309A50E41E}" type="datetimeFigureOut">
               <a:rPr lang="en-US" smtClean="0"/>
-              <a:t>4/9/2019</a:t>
+              <a:t>4/14/2019</a:t>
             </a:fld>
             <a:endParaRPr lang="en-US"/>
           </a:p>
@@ -2668,7 +2668,7 @@
           <a:p>
             <a:fld id="{8E8867F9-EAF3-4945-BEB8-07309A50E41E}" type="datetimeFigureOut">
               <a:rPr lang="en-US" smtClean="0"/>
-              <a:t>4/9/2019</a:t>
+              <a:t>4/14/2019</a:t>
             </a:fld>
             <a:endParaRPr lang="en-US"/>
           </a:p>
@@ -2909,7 +2909,7 @@
           <a:p>
             <a:fld id="{8E8867F9-EAF3-4945-BEB8-07309A50E41E}" type="datetimeFigureOut">
               <a:rPr lang="en-US" smtClean="0"/>
-              <a:t>4/9/2019</a:t>
+              <a:t>4/14/2019</a:t>
             </a:fld>
             <a:endParaRPr lang="en-US"/>
           </a:p>
@@ -3433,7 +3433,7 @@
                   <a:latin typeface="Segoe UI" panose="020B0502040204020203" pitchFamily="34" charset="0"/>
                   <a:cs typeface="Segoe UI" panose="020B0502040204020203" pitchFamily="34" charset="0"/>
                 </a:rPr>
-                <a:t>A MUSIC AND DATA SCIENCE</a:t>
+                <a:t>MUSIC AND DATA</a:t>
               </a:r>
             </a:p>
             <a:p>
@@ -3445,7 +3445,7 @@
                   <a:latin typeface="Segoe UI" panose="020B0502040204020203" pitchFamily="34" charset="0"/>
                   <a:cs typeface="Segoe UI" panose="020B0502040204020203" pitchFamily="34" charset="0"/>
                 </a:rPr>
-                <a:t>HACKATHON FESTIVAL</a:t>
+                <a:t>FESTIVAL</a:t>
               </a:r>
             </a:p>
           </p:txBody>
@@ -3481,7 +3481,7 @@
               <a:r>
                 <a:rPr lang="en-US" sz="3200" dirty="0">
                   <a:solidFill>
-                    <a:schemeClr val="accent6"/>
+                    <a:srgbClr val="3DDB66"/>
                   </a:solidFill>
                   <a:latin typeface="Arial" panose="020B0604020202020204" pitchFamily="34" charset="0"/>
                   <a:cs typeface="Arial" panose="020B0604020202020204" pitchFamily="34" charset="0"/>
@@ -3500,7 +3500,7 @@
                   <a:latin typeface="Segoe UI" panose="020B0502040204020203" pitchFamily="34" charset="0"/>
                   <a:cs typeface="Segoe UI" panose="020B0502040204020203" pitchFamily="34" charset="0"/>
                 </a:rPr>
-                <a:t>OVERVIEW</a:t>
+                <a:t>LIVE ONSITE MONITORING</a:t>
               </a:r>
               <a:endParaRPr lang="en-US" sz="2400" dirty="0">
                 <a:solidFill>
